--- a/Prezentacija/Prezentacija.pptx
+++ b/Prezentacija/Prezentacija.pptx
@@ -9855,8 +9855,8 @@
         </p:nvSpPr>
         <p:spPr>
           <a:xfrm>
-            <a:off x="270928" y="0"/>
-            <a:ext cx="2808000" cy="953400"/>
+            <a:off x="94851" y="54648"/>
+            <a:ext cx="2550600" cy="295200"/>
           </a:xfrm>
           <a:prstGeom prst="rect">
             <a:avLst/>
@@ -9878,14 +9878,14 @@
               <a:buNone/>
             </a:pPr>
             <a:r>
-              <a:rPr lang="en"/>
+              <a:rPr lang="en" sz="1900"/>
               <a:t>MVC</a:t>
             </a:r>
             <a:r>
-              <a:rPr lang="en"/>
+              <a:rPr lang="en" sz="1900"/>
               <a:t> Diagram</a:t>
             </a:r>
-            <a:endParaRPr/>
+            <a:endParaRPr sz="1900"/>
           </a:p>
         </p:txBody>
       </p:sp>
@@ -9905,8 +9905,8 @@
         </p:blipFill>
         <p:spPr>
           <a:xfrm>
-            <a:off x="0" y="953400"/>
-            <a:ext cx="9144002" cy="4190100"/>
+            <a:off x="548800" y="258475"/>
+            <a:ext cx="8123376" cy="4885027"/>
           </a:xfrm>
           <a:prstGeom prst="rect">
             <a:avLst/>
@@ -11887,7 +11887,7 @@
             <a:tbl>
               <a:tblPr>
                 <a:noFill/>
-                <a:tableStyleId>{8B381E31-6165-4BA8-B51A-69746C84D48F}</a:tableStyleId>
+                <a:tableStyleId>{1353963B-DF91-4ACA-A2D7-5E1FAB02D263}</a:tableStyleId>
               </a:tblPr>
               <a:tblGrid>
                 <a:gridCol w="556425"/>
@@ -12430,7 +12430,7 @@
             </a:pPr>
             <a:r>
               <a:rPr lang="en"/>
-              <a:t>Users</a:t>
+              <a:t>Korisnici</a:t>
             </a:r>
             <a:endParaRPr/>
           </a:p>
@@ -13173,7 +13173,7 @@
             </a:pPr>
             <a:r>
               <a:rPr lang="en"/>
-              <a:t>Administrators</a:t>
+              <a:t>Administratori</a:t>
             </a:r>
             <a:endParaRPr/>
           </a:p>
@@ -13629,8 +13629,8 @@
         </p:blipFill>
         <p:spPr>
           <a:xfrm>
-            <a:off x="0" y="650425"/>
-            <a:ext cx="9143999" cy="4493075"/>
+            <a:off x="1324825" y="740650"/>
+            <a:ext cx="6851899" cy="5323575"/>
           </a:xfrm>
           <a:prstGeom prst="rect">
             <a:avLst/>

--- a/Prezentacija/Prezentacija.pptx
+++ b/Prezentacija/Prezentacija.pptx
@@ -31,16 +31,18 @@
     <p:sldId id="276" r:id="rId27"/>
     <p:sldId id="277" r:id="rId28"/>
     <p:sldId id="278" r:id="rId29"/>
+    <p:sldId id="279" r:id="rId30"/>
+    <p:sldId id="280" r:id="rId31"/>
   </p:sldIdLst>
   <p:sldSz cy="5143500" cx="9144000"/>
   <p:notesSz cx="6858000" cy="9144000"/>
   <p:embeddedFontLst>
     <p:embeddedFont>
       <p:font typeface="Roboto"/>
-      <p:regular r:id="rId30"/>
-      <p:bold r:id="rId31"/>
-      <p:italic r:id="rId32"/>
-      <p:boldItalic r:id="rId33"/>
+      <p:regular r:id="rId32"/>
+      <p:bold r:id="rId33"/>
+      <p:italic r:id="rId34"/>
+      <p:boldItalic r:id="rId35"/>
     </p:embeddedFont>
   </p:embeddedFontLst>
   <p:defaultTextStyle>
@@ -1528,7 +1530,7 @@
       </p:grpSpPr>
       <p:sp>
         <p:nvSpPr>
-          <p:cNvPr id="179" name="Google Shape;179;g24b611d578f_1_104:notes"/>
+          <p:cNvPr id="179" name="Google Shape;179;g24cb0ff1e3b_0_1:notes"/>
           <p:cNvSpPr/>
           <p:nvPr>
             <p:ph idx="2" type="sldImg"/>
@@ -1536,8 +1538,8 @@
         </p:nvSpPr>
         <p:spPr>
           <a:xfrm>
-            <a:off x="381188" y="685800"/>
-            <a:ext cx="6096300" cy="3429000"/>
+            <a:off x="381300" y="685800"/>
+            <a:ext cx="6096000" cy="3429000"/>
           </a:xfrm>
           <a:custGeom>
             <a:rect b="b" l="l" r="r" t="t"/>
@@ -1563,7 +1565,7 @@
       </p:sp>
       <p:sp>
         <p:nvSpPr>
-          <p:cNvPr id="180" name="Google Shape;180;g24b611d578f_1_104:notes"/>
+          <p:cNvPr id="180" name="Google Shape;180;g24cb0ff1e3b_0_1:notes"/>
           <p:cNvSpPr txBox="1"/>
           <p:nvPr>
             <p:ph idx="1" type="body"/>
@@ -1613,7 +1615,7 @@
   <p:cSld>
     <p:spTree>
       <p:nvGrpSpPr>
-        <p:cNvPr id="185" name="Shape 185"/>
+        <p:cNvPr id="186" name="Shape 186"/>
         <p:cNvGrpSpPr/>
         <p:nvPr/>
       </p:nvGrpSpPr>
@@ -1627,7 +1629,7 @@
       </p:grpSpPr>
       <p:sp>
         <p:nvSpPr>
-          <p:cNvPr id="186" name="Google Shape;186;g24b611d578f_1_115:notes"/>
+          <p:cNvPr id="187" name="Google Shape;187;g24b611d578f_1_104:notes"/>
           <p:cNvSpPr/>
           <p:nvPr>
             <p:ph idx="2" type="sldImg"/>
@@ -1635,8 +1637,8 @@
         </p:nvSpPr>
         <p:spPr>
           <a:xfrm>
-            <a:off x="381300" y="685800"/>
-            <a:ext cx="6096000" cy="3429000"/>
+            <a:off x="381188" y="685800"/>
+            <a:ext cx="6096300" cy="3429000"/>
           </a:xfrm>
           <a:custGeom>
             <a:rect b="b" l="l" r="r" t="t"/>
@@ -1662,7 +1664,7 @@
       </p:sp>
       <p:sp>
         <p:nvSpPr>
-          <p:cNvPr id="187" name="Google Shape;187;g24b611d578f_1_115:notes"/>
+          <p:cNvPr id="188" name="Google Shape;188;g24b611d578f_1_104:notes"/>
           <p:cNvSpPr txBox="1"/>
           <p:nvPr>
             <p:ph idx="1" type="body"/>
@@ -1712,7 +1714,7 @@
   <p:cSld>
     <p:spTree>
       <p:nvGrpSpPr>
-        <p:cNvPr id="191" name="Shape 191"/>
+        <p:cNvPr id="193" name="Shape 193"/>
         <p:cNvGrpSpPr/>
         <p:nvPr/>
       </p:nvGrpSpPr>
@@ -1726,7 +1728,7 @@
       </p:grpSpPr>
       <p:sp>
         <p:nvSpPr>
-          <p:cNvPr id="192" name="Google Shape;192;g24b611d578f_1_128:notes"/>
+          <p:cNvPr id="194" name="Google Shape;194;g24b611d578f_1_115:notes"/>
           <p:cNvSpPr/>
           <p:nvPr>
             <p:ph idx="2" type="sldImg"/>
@@ -1761,7 +1763,7 @@
       </p:sp>
       <p:sp>
         <p:nvSpPr>
-          <p:cNvPr id="193" name="Google Shape;193;g24b611d578f_1_128:notes"/>
+          <p:cNvPr id="195" name="Google Shape;195;g24b611d578f_1_115:notes"/>
           <p:cNvSpPr txBox="1"/>
           <p:nvPr>
             <p:ph idx="1" type="body"/>
@@ -1910,7 +1912,7 @@
   <p:cSld>
     <p:spTree>
       <p:nvGrpSpPr>
-        <p:cNvPr id="197" name="Shape 197"/>
+        <p:cNvPr id="199" name="Shape 199"/>
         <p:cNvGrpSpPr/>
         <p:nvPr/>
       </p:nvGrpSpPr>
@@ -1924,7 +1926,7 @@
       </p:grpSpPr>
       <p:sp>
         <p:nvSpPr>
-          <p:cNvPr id="198" name="Google Shape;198;g24b611d578f_1_139:notes"/>
+          <p:cNvPr id="200" name="Google Shape;200;g24b611d578f_1_128:notes"/>
           <p:cNvSpPr/>
           <p:nvPr>
             <p:ph idx="2" type="sldImg"/>
@@ -1932,8 +1934,8 @@
         </p:nvSpPr>
         <p:spPr>
           <a:xfrm>
-            <a:off x="381188" y="685800"/>
-            <a:ext cx="6096300" cy="3429000"/>
+            <a:off x="381300" y="685800"/>
+            <a:ext cx="6096000" cy="3429000"/>
           </a:xfrm>
           <a:custGeom>
             <a:rect b="b" l="l" r="r" t="t"/>
@@ -1959,7 +1961,7 @@
       </p:sp>
       <p:sp>
         <p:nvSpPr>
-          <p:cNvPr id="199" name="Google Shape;199;g24b611d578f_1_139:notes"/>
+          <p:cNvPr id="201" name="Google Shape;201;g24b611d578f_1_128:notes"/>
           <p:cNvSpPr txBox="1"/>
           <p:nvPr>
             <p:ph idx="1" type="body"/>
@@ -2023,7 +2025,7 @@
       </p:grpSpPr>
       <p:sp>
         <p:nvSpPr>
-          <p:cNvPr id="206" name="Google Shape;206;g24b611d578f_1_133:notes"/>
+          <p:cNvPr id="206" name="Google Shape;206;g24b611d578f_1_139:notes"/>
           <p:cNvSpPr/>
           <p:nvPr>
             <p:ph idx="2" type="sldImg"/>
@@ -2058,7 +2060,7 @@
       </p:sp>
       <p:sp>
         <p:nvSpPr>
-          <p:cNvPr id="207" name="Google Shape;207;g24b611d578f_1_133:notes"/>
+          <p:cNvPr id="207" name="Google Shape;207;g24b611d578f_1_139:notes"/>
           <p:cNvSpPr txBox="1"/>
           <p:nvPr>
             <p:ph idx="1" type="body"/>
@@ -2108,7 +2110,7 @@
   <p:cSld>
     <p:spTree>
       <p:nvGrpSpPr>
-        <p:cNvPr id="212" name="Shape 212"/>
+        <p:cNvPr id="213" name="Shape 213"/>
         <p:cNvGrpSpPr/>
         <p:nvPr/>
       </p:nvGrpSpPr>
@@ -2122,7 +2124,7 @@
       </p:grpSpPr>
       <p:sp>
         <p:nvSpPr>
-          <p:cNvPr id="213" name="Google Shape;213;g24b611d578f_1_122:notes"/>
+          <p:cNvPr id="214" name="Google Shape;214;g24cb0ff1e3b_2_0:notes"/>
           <p:cNvSpPr/>
           <p:nvPr>
             <p:ph idx="2" type="sldImg"/>
@@ -2130,8 +2132,8 @@
         </p:nvSpPr>
         <p:spPr>
           <a:xfrm>
-            <a:off x="381300" y="685800"/>
-            <a:ext cx="6096000" cy="3429000"/>
+            <a:off x="381188" y="685800"/>
+            <a:ext cx="6096300" cy="3429000"/>
           </a:xfrm>
           <a:custGeom>
             <a:rect b="b" l="l" r="r" t="t"/>
@@ -2157,7 +2159,7 @@
       </p:sp>
       <p:sp>
         <p:nvSpPr>
-          <p:cNvPr id="214" name="Google Shape;214;g24b611d578f_1_122:notes"/>
+          <p:cNvPr id="215" name="Google Shape;215;g24cb0ff1e3b_2_0:notes"/>
           <p:cNvSpPr txBox="1"/>
           <p:nvPr>
             <p:ph idx="1" type="body"/>
@@ -2207,7 +2209,7 @@
   <p:cSld>
     <p:spTree>
       <p:nvGrpSpPr>
-        <p:cNvPr id="219" name="Shape 219"/>
+        <p:cNvPr id="221" name="Shape 221"/>
         <p:cNvGrpSpPr/>
         <p:nvPr/>
       </p:nvGrpSpPr>
@@ -2221,7 +2223,7 @@
       </p:grpSpPr>
       <p:sp>
         <p:nvSpPr>
-          <p:cNvPr id="220" name="Google Shape;220;g24b611d578f_1_110:notes"/>
+          <p:cNvPr id="222" name="Google Shape;222;g24b611d578f_1_133:notes"/>
           <p:cNvSpPr/>
           <p:nvPr>
             <p:ph idx="2" type="sldImg"/>
@@ -2229,8 +2231,8 @@
         </p:nvSpPr>
         <p:spPr>
           <a:xfrm>
-            <a:off x="381300" y="685800"/>
-            <a:ext cx="6096000" cy="3429000"/>
+            <a:off x="381188" y="685800"/>
+            <a:ext cx="6096300" cy="3429000"/>
           </a:xfrm>
           <a:custGeom>
             <a:rect b="b" l="l" r="r" t="t"/>
@@ -2256,7 +2258,205 @@
       </p:sp>
       <p:sp>
         <p:nvSpPr>
-          <p:cNvPr id="221" name="Google Shape;221;g24b611d578f_1_110:notes"/>
+          <p:cNvPr id="223" name="Google Shape;223;g24b611d578f_1_133:notes"/>
+          <p:cNvSpPr txBox="1"/>
+          <p:nvPr>
+            <p:ph idx="1" type="body"/>
+          </p:nvPr>
+        </p:nvSpPr>
+        <p:spPr>
+          <a:xfrm>
+            <a:off x="685800" y="4343400"/>
+            <a:ext cx="5486400" cy="4114800"/>
+          </a:xfrm>
+          <a:prstGeom prst="rect">
+            <a:avLst/>
+          </a:prstGeom>
+        </p:spPr>
+        <p:txBody>
+          <a:bodyPr anchorCtr="0" anchor="t" bIns="91425" lIns="91425" spcFirstLastPara="1" rIns="91425" wrap="square" tIns="91425">
+            <a:noAutofit/>
+          </a:bodyPr>
+          <a:lstStyle/>
+          <a:p>
+            <a:pPr indent="0" lvl="0" marL="0" rtl="0" algn="l">
+              <a:spcBef>
+                <a:spcPts val="0"/>
+              </a:spcBef>
+              <a:spcAft>
+                <a:spcPts val="0"/>
+              </a:spcAft>
+              <a:buNone/>
+            </a:pPr>
+            <a:r>
+              <a:t/>
+            </a:r>
+            <a:endParaRPr/>
+          </a:p>
+        </p:txBody>
+      </p:sp>
+    </p:spTree>
+  </p:cSld>
+  <p:clrMapOvr>
+    <a:masterClrMapping/>
+  </p:clrMapOvr>
+</p:notes>
+</file>
+
+<file path=ppt/notesSlides/notesSlide24.xml><?xml version="1.0" encoding="utf-8"?>
+<p:notes xmlns:a="http://schemas.openxmlformats.org/drawingml/2006/main" xmlns:r="http://schemas.openxmlformats.org/officeDocument/2006/relationships" xmlns:mc="http://schemas.openxmlformats.org/markup-compatibility/2006" xmlns:mv="urn:schemas-microsoft-com:mac:vml" xmlns:p="http://schemas.openxmlformats.org/presentationml/2006/main" xmlns:c="http://schemas.openxmlformats.org/drawingml/2006/chart" xmlns:dgm="http://schemas.openxmlformats.org/drawingml/2006/diagram" xmlns:o="urn:schemas-microsoft-com:office:office" xmlns:v="urn:schemas-microsoft-com:vml" xmlns:pvml="urn:schemas-microsoft-com:office:powerpoint" xmlns:com="http://schemas.openxmlformats.org/drawingml/2006/compatibility" xmlns:p14="http://schemas.microsoft.com/office/powerpoint/2010/main" xmlns:p15="http://schemas.microsoft.com/office/powerpoint/2012/main" xmlns:ahyp="http://schemas.microsoft.com/office/drawing/2018/hyperlinkcolor" showMasterPhAnim="0" showMasterSp="0">
+  <p:cSld>
+    <p:spTree>
+      <p:nvGrpSpPr>
+        <p:cNvPr id="228" name="Shape 228"/>
+        <p:cNvGrpSpPr/>
+        <p:nvPr/>
+      </p:nvGrpSpPr>
+      <p:grpSpPr>
+        <a:xfrm>
+          <a:off x="0" y="0"/>
+          <a:ext cx="0" cy="0"/>
+          <a:chOff x="0" y="0"/>
+          <a:chExt cx="0" cy="0"/>
+        </a:xfrm>
+      </p:grpSpPr>
+      <p:sp>
+        <p:nvSpPr>
+          <p:cNvPr id="229" name="Google Shape;229;g24b611d578f_1_122:notes"/>
+          <p:cNvSpPr/>
+          <p:nvPr>
+            <p:ph idx="2" type="sldImg"/>
+          </p:nvPr>
+        </p:nvSpPr>
+        <p:spPr>
+          <a:xfrm>
+            <a:off x="381300" y="685800"/>
+            <a:ext cx="6096000" cy="3429000"/>
+          </a:xfrm>
+          <a:custGeom>
+            <a:rect b="b" l="l" r="r" t="t"/>
+            <a:pathLst>
+              <a:path extrusionOk="0" h="120000" w="120000">
+                <a:moveTo>
+                  <a:pt x="0" y="0"/>
+                </a:moveTo>
+                <a:lnTo>
+                  <a:pt x="120000" y="0"/>
+                </a:lnTo>
+                <a:lnTo>
+                  <a:pt x="120000" y="120000"/>
+                </a:lnTo>
+                <a:lnTo>
+                  <a:pt x="0" y="120000"/>
+                </a:lnTo>
+                <a:close/>
+              </a:path>
+            </a:pathLst>
+          </a:custGeom>
+        </p:spPr>
+      </p:sp>
+      <p:sp>
+        <p:nvSpPr>
+          <p:cNvPr id="230" name="Google Shape;230;g24b611d578f_1_122:notes"/>
+          <p:cNvSpPr txBox="1"/>
+          <p:nvPr>
+            <p:ph idx="1" type="body"/>
+          </p:nvPr>
+        </p:nvSpPr>
+        <p:spPr>
+          <a:xfrm>
+            <a:off x="685800" y="4343400"/>
+            <a:ext cx="5486400" cy="4114800"/>
+          </a:xfrm>
+          <a:prstGeom prst="rect">
+            <a:avLst/>
+          </a:prstGeom>
+        </p:spPr>
+        <p:txBody>
+          <a:bodyPr anchorCtr="0" anchor="t" bIns="91425" lIns="91425" spcFirstLastPara="1" rIns="91425" wrap="square" tIns="91425">
+            <a:noAutofit/>
+          </a:bodyPr>
+          <a:lstStyle/>
+          <a:p>
+            <a:pPr indent="0" lvl="0" marL="0" rtl="0" algn="l">
+              <a:spcBef>
+                <a:spcPts val="0"/>
+              </a:spcBef>
+              <a:spcAft>
+                <a:spcPts val="0"/>
+              </a:spcAft>
+              <a:buNone/>
+            </a:pPr>
+            <a:r>
+              <a:t/>
+            </a:r>
+            <a:endParaRPr/>
+          </a:p>
+        </p:txBody>
+      </p:sp>
+    </p:spTree>
+  </p:cSld>
+  <p:clrMapOvr>
+    <a:masterClrMapping/>
+  </p:clrMapOvr>
+</p:notes>
+</file>
+
+<file path=ppt/notesSlides/notesSlide25.xml><?xml version="1.0" encoding="utf-8"?>
+<p:notes xmlns:a="http://schemas.openxmlformats.org/drawingml/2006/main" xmlns:r="http://schemas.openxmlformats.org/officeDocument/2006/relationships" xmlns:mc="http://schemas.openxmlformats.org/markup-compatibility/2006" xmlns:mv="urn:schemas-microsoft-com:mac:vml" xmlns:p="http://schemas.openxmlformats.org/presentationml/2006/main" xmlns:c="http://schemas.openxmlformats.org/drawingml/2006/chart" xmlns:dgm="http://schemas.openxmlformats.org/drawingml/2006/diagram" xmlns:o="urn:schemas-microsoft-com:office:office" xmlns:v="urn:schemas-microsoft-com:vml" xmlns:pvml="urn:schemas-microsoft-com:office:powerpoint" xmlns:com="http://schemas.openxmlformats.org/drawingml/2006/compatibility" xmlns:p14="http://schemas.microsoft.com/office/powerpoint/2010/main" xmlns:p15="http://schemas.microsoft.com/office/powerpoint/2012/main" xmlns:ahyp="http://schemas.microsoft.com/office/drawing/2018/hyperlinkcolor" showMasterPhAnim="0" showMasterSp="0">
+  <p:cSld>
+    <p:spTree>
+      <p:nvGrpSpPr>
+        <p:cNvPr id="235" name="Shape 235"/>
+        <p:cNvGrpSpPr/>
+        <p:nvPr/>
+      </p:nvGrpSpPr>
+      <p:grpSpPr>
+        <a:xfrm>
+          <a:off x="0" y="0"/>
+          <a:ext cx="0" cy="0"/>
+          <a:chOff x="0" y="0"/>
+          <a:chExt cx="0" cy="0"/>
+        </a:xfrm>
+      </p:grpSpPr>
+      <p:sp>
+        <p:nvSpPr>
+          <p:cNvPr id="236" name="Google Shape;236;g24b611d578f_1_110:notes"/>
+          <p:cNvSpPr/>
+          <p:nvPr>
+            <p:ph idx="2" type="sldImg"/>
+          </p:nvPr>
+        </p:nvSpPr>
+        <p:spPr>
+          <a:xfrm>
+            <a:off x="381300" y="685800"/>
+            <a:ext cx="6096000" cy="3429000"/>
+          </a:xfrm>
+          <a:custGeom>
+            <a:rect b="b" l="l" r="r" t="t"/>
+            <a:pathLst>
+              <a:path extrusionOk="0" h="120000" w="120000">
+                <a:moveTo>
+                  <a:pt x="0" y="0"/>
+                </a:moveTo>
+                <a:lnTo>
+                  <a:pt x="120000" y="0"/>
+                </a:lnTo>
+                <a:lnTo>
+                  <a:pt x="120000" y="120000"/>
+                </a:lnTo>
+                <a:lnTo>
+                  <a:pt x="0" y="120000"/>
+                </a:lnTo>
+                <a:close/>
+              </a:path>
+            </a:pathLst>
+          </a:custGeom>
+        </p:spPr>
+      </p:sp>
+      <p:sp>
+        <p:nvSpPr>
+          <p:cNvPr id="237" name="Google Shape;237;g24b611d578f_1_110:notes"/>
           <p:cNvSpPr txBox="1"/>
           <p:nvPr>
             <p:ph idx="1" type="body"/>
@@ -9198,7 +9398,7 @@
                   <a:srgbClr val="000000"/>
                 </a:solidFill>
               </a:rPr>
-              <a:t>UI PROTOTYPES</a:t>
+              <a:t>UI PROTIPI</a:t>
             </a:r>
             <a:endParaRPr>
               <a:solidFill>
@@ -9353,7 +9553,7 @@
                   <a:srgbClr val="000000"/>
                 </a:solidFill>
               </a:rPr>
-              <a:t>UI PROTOTYPES</a:t>
+              <a:t>UI PROTIPI</a:t>
             </a:r>
             <a:endParaRPr>
               <a:solidFill>
@@ -9508,7 +9708,7 @@
                   <a:srgbClr val="000000"/>
                 </a:solidFill>
               </a:rPr>
-              <a:t>UI PROTOTYPES</a:t>
+              <a:t>UI PROTIPI</a:t>
             </a:r>
             <a:endParaRPr>
               <a:solidFill>
@@ -9663,7 +9863,7 @@
                   <a:srgbClr val="000000"/>
                 </a:solidFill>
               </a:rPr>
-              <a:t>UI PROTOTYPES</a:t>
+              <a:t>UI PROTIPI</a:t>
             </a:r>
             <a:endParaRPr>
               <a:solidFill>
@@ -9976,7 +10176,7 @@
             </a:pPr>
             <a:r>
               <a:rPr lang="en" sz="3000"/>
-              <a:t>Used Structural Patterns:</a:t>
+              <a:t>Stukturalni paterni</a:t>
             </a:r>
             <a:endParaRPr sz="3000"/>
           </a:p>
@@ -9992,7 +10192,7 @@
         </p:nvSpPr>
         <p:spPr>
           <a:xfrm>
-            <a:off x="98975" y="1034575"/>
+            <a:off x="37825" y="997200"/>
             <a:ext cx="3033600" cy="3959400"/>
           </a:xfrm>
           <a:prstGeom prst="rect">
@@ -10022,19 +10222,17 @@
             <a:endParaRPr sz="1400"/>
           </a:p>
           <a:p>
-            <a:pPr indent="-317500" lvl="0" marL="457200" rtl="0" algn="l">
-              <a:spcBef>
-                <a:spcPts val="0"/>
-              </a:spcBef>
-              <a:spcAft>
-                <a:spcPts val="0"/>
-              </a:spcAft>
-              <a:buSzPts val="1400"/>
-              <a:buChar char="❏"/>
+            <a:pPr indent="0" lvl="0" marL="457200" rtl="0" algn="l">
+              <a:spcBef>
+                <a:spcPts val="1600"/>
+              </a:spcBef>
+              <a:spcAft>
+                <a:spcPts val="0"/>
+              </a:spcAft>
+              <a:buNone/>
             </a:pPr>
             <a:r>
-              <a:rPr lang="en" sz="1400"/>
-              <a:t>Bridge</a:t>
+              <a:t/>
             </a:r>
             <a:endParaRPr sz="1400"/>
           </a:p>
@@ -10095,7 +10293,7 @@
         <p:spPr>
           <a:xfrm>
             <a:off x="3219450" y="285750"/>
-            <a:ext cx="5505600" cy="2385900"/>
+            <a:ext cx="5505600" cy="2031900"/>
           </a:xfrm>
           <a:prstGeom prst="rect">
             <a:avLst/>
@@ -10111,19 +10309,19 @@
           </a:bodyPr>
           <a:lstStyle/>
           <a:p>
-            <a:pPr indent="-311150" lvl="0" marL="457200" rtl="0" algn="l">
-              <a:spcBef>
-                <a:spcPts val="0"/>
-              </a:spcBef>
-              <a:spcAft>
-                <a:spcPts val="0"/>
-              </a:spcAft>
-              <a:buSzPts val="1300"/>
+            <a:pPr indent="-304800" lvl="0" marL="457200" rtl="0" algn="l">
+              <a:spcBef>
+                <a:spcPts val="0"/>
+              </a:spcBef>
+              <a:spcAft>
+                <a:spcPts val="0"/>
+              </a:spcAft>
+              <a:buSzPts val="1200"/>
               <a:buFont typeface="Roboto"/>
               <a:buChar char="●"/>
             </a:pPr>
             <a:r>
-              <a:rPr lang="en" sz="1300">
+              <a:rPr lang="en" sz="1200">
                 <a:latin typeface="Roboto"/>
                 <a:ea typeface="Roboto"/>
                 <a:cs typeface="Roboto"/>
@@ -10131,7 +10329,7 @@
               </a:rPr>
               <a:t>Proxy patern se koristi za omogućavanje pristupa i kontrolu pristupa stvarnim objektima. Manipulacija nad nekim objektom je dozvoljena samo ako je neki uslov ispunjen ili ako korisnik npr. nema pravo pristupa traženom objektu. U našem slučaju, proxy patern je iskorišten tako što smo na dijagramu dodali PopustProxy klasu koja implementira interfejs IRezervacijaSaPopustom. Svaki korisnik može rezervisati kartu, ali rezervacija se može uraditi uz popust pod određenim uslovima. Putem metode obracunajPopust u Proxy klasi možemo zaključiti da li ta karta ima popust ili ne, te zavisno od toga odrediti da li je tom korisniku dozvoljena rezervacija uz popust ili ne.</a:t>
             </a:r>
-            <a:endParaRPr sz="1300">
+            <a:endParaRPr sz="1200">
               <a:latin typeface="Roboto"/>
               <a:ea typeface="Roboto"/>
               <a:cs typeface="Roboto"/>
@@ -10140,16 +10338,24 @@
           </a:p>
         </p:txBody>
       </p:sp>
-      <p:sp>
-        <p:nvSpPr>
+      <p:pic>
+        <p:nvPicPr>
           <p:cNvPr id="177" name="Google Shape;177;p28"/>
-          <p:cNvSpPr txBox="1"/>
+          <p:cNvPicPr preferRelativeResize="0"/>
           <p:nvPr/>
-        </p:nvSpPr>
-        <p:spPr>
-          <a:xfrm>
-            <a:off x="3219450" y="2781300"/>
-            <a:ext cx="5086500" cy="1385400"/>
+        </p:nvPicPr>
+        <p:blipFill>
+          <a:blip r:embed="rId3">
+            <a:alphaModFix/>
+          </a:blip>
+          <a:stretch>
+            <a:fillRect/>
+          </a:stretch>
+        </p:blipFill>
+        <p:spPr>
+          <a:xfrm>
+            <a:off x="3338875" y="2377450"/>
+            <a:ext cx="5805125" cy="1901679"/>
           </a:xfrm>
           <a:prstGeom prst="rect">
             <a:avLst/>
@@ -10159,41 +10365,7 @@
             <a:noFill/>
           </a:ln>
         </p:spPr>
-        <p:txBody>
-          <a:bodyPr anchorCtr="0" anchor="t" bIns="91425" lIns="91425" spcFirstLastPara="1" rIns="91425" wrap="square" tIns="91425">
-            <a:spAutoFit/>
-          </a:bodyPr>
-          <a:lstStyle/>
-          <a:p>
-            <a:pPr indent="-311150" lvl="0" marL="457200" rtl="0" algn="l">
-              <a:spcBef>
-                <a:spcPts val="0"/>
-              </a:spcBef>
-              <a:spcAft>
-                <a:spcPts val="0"/>
-              </a:spcAft>
-              <a:buSzPts val="1300"/>
-              <a:buFont typeface="Roboto"/>
-              <a:buChar char="●"/>
-            </a:pPr>
-            <a:r>
-              <a:rPr lang="en" sz="1300">
-                <a:latin typeface="Roboto"/>
-                <a:ea typeface="Roboto"/>
-                <a:cs typeface="Roboto"/>
-                <a:sym typeface="Roboto"/>
-              </a:rPr>
-              <a:t>Bridge pattern je implementiran u projektu da bi razdvojili funkcionalnost pretrage na njenu apstrakciju i implementaciju, gdje je apstrakcija nova klasa Pretrazivac koja se oslanja na funkcionalnost implementacije, a implementacija je novi interfejs IPretraga čije klase sadrže logiku niskog nivoa za pretragu.</a:t>
-            </a:r>
-            <a:endParaRPr sz="1300">
-              <a:latin typeface="Roboto"/>
-              <a:ea typeface="Roboto"/>
-              <a:cs typeface="Roboto"/>
-              <a:sym typeface="Roboto"/>
-            </a:endParaRPr>
-          </a:p>
-        </p:txBody>
-      </p:sp>
+      </p:pic>
     </p:spTree>
   </p:cSld>
   <p:clrMapOvr>
@@ -10229,7 +10401,7 @@
         </p:nvSpPr>
         <p:spPr>
           <a:xfrm>
-            <a:off x="98978" y="81175"/>
+            <a:off x="226078" y="193325"/>
             <a:ext cx="2808000" cy="953400"/>
           </a:xfrm>
           <a:prstGeom prst="rect">
@@ -10253,17 +10425,9 @@
             </a:pPr>
             <a:r>
               <a:rPr lang="en" sz="3000"/>
-              <a:t>Other </a:t>
+              <a:t>Stukturalni paterni</a:t>
             </a:r>
-            <a:r>
-              <a:rPr lang="en" sz="2800"/>
-              <a:t>Structural Patterns</a:t>
-            </a:r>
-            <a:r>
-              <a:rPr lang="en" sz="2800"/>
-              <a:t>:</a:t>
-            </a:r>
-            <a:endParaRPr sz="2800"/>
+            <a:endParaRPr/>
           </a:p>
         </p:txBody>
       </p:sp>
@@ -10277,6 +10441,189 @@
         </p:nvSpPr>
         <p:spPr>
           <a:xfrm>
+            <a:off x="226075" y="1278900"/>
+            <a:ext cx="2808000" cy="3163500"/>
+          </a:xfrm>
+          <a:prstGeom prst="rect">
+            <a:avLst/>
+          </a:prstGeom>
+        </p:spPr>
+        <p:txBody>
+          <a:bodyPr anchorCtr="0" anchor="t" bIns="91425" lIns="91425" spcFirstLastPara="1" rIns="91425" wrap="square" tIns="91425">
+            <a:noAutofit/>
+          </a:bodyPr>
+          <a:lstStyle/>
+          <a:p>
+            <a:pPr indent="-317500" lvl="0" marL="457200" rtl="0" algn="l">
+              <a:spcBef>
+                <a:spcPts val="0"/>
+              </a:spcBef>
+              <a:spcAft>
+                <a:spcPts val="0"/>
+              </a:spcAft>
+              <a:buSzPts val="1400"/>
+              <a:buChar char="❏"/>
+            </a:pPr>
+            <a:r>
+              <a:rPr lang="en" sz="1400"/>
+              <a:t>Bridge</a:t>
+            </a:r>
+            <a:endParaRPr/>
+          </a:p>
+        </p:txBody>
+      </p:sp>
+      <p:sp>
+        <p:nvSpPr>
+          <p:cNvPr id="184" name="Google Shape;184;p29"/>
+          <p:cNvSpPr txBox="1"/>
+          <p:nvPr/>
+        </p:nvSpPr>
+        <p:spPr>
+          <a:xfrm>
+            <a:off x="3835200" y="261675"/>
+            <a:ext cx="4448100" cy="1585500"/>
+          </a:xfrm>
+          <a:prstGeom prst="rect">
+            <a:avLst/>
+          </a:prstGeom>
+          <a:noFill/>
+          <a:ln>
+            <a:noFill/>
+          </a:ln>
+        </p:spPr>
+        <p:txBody>
+          <a:bodyPr anchorCtr="0" anchor="t" bIns="91425" lIns="91425" spcFirstLastPara="1" rIns="91425" wrap="square" tIns="91425">
+            <a:spAutoFit/>
+          </a:bodyPr>
+          <a:lstStyle/>
+          <a:p>
+            <a:pPr indent="-311150" lvl="0" marL="457200" rtl="0" algn="l">
+              <a:spcBef>
+                <a:spcPts val="0"/>
+              </a:spcBef>
+              <a:spcAft>
+                <a:spcPts val="0"/>
+              </a:spcAft>
+              <a:buSzPts val="1300"/>
+              <a:buFont typeface="Roboto"/>
+              <a:buChar char="●"/>
+            </a:pPr>
+            <a:r>
+              <a:rPr lang="en" sz="1300">
+                <a:latin typeface="Roboto"/>
+                <a:ea typeface="Roboto"/>
+                <a:cs typeface="Roboto"/>
+                <a:sym typeface="Roboto"/>
+              </a:rPr>
+              <a:t>Bridge pattern je implementiran u projektu da bi razdvojili funkcionalnost pretrage na njenu apstrakciju i implementaciju, gdje je apstrakcija nova klasa Pretrazivac koja se oslanja na funkcionalnost implementacije, a implementacija je novi interfejs IPretraga čije klase sadrže logiku niskog nivoa za pretragu.</a:t>
+            </a:r>
+            <a:endParaRPr/>
+          </a:p>
+        </p:txBody>
+      </p:sp>
+      <p:pic>
+        <p:nvPicPr>
+          <p:cNvPr id="185" name="Google Shape;185;p29"/>
+          <p:cNvPicPr preferRelativeResize="0"/>
+          <p:nvPr/>
+        </p:nvPicPr>
+        <p:blipFill>
+          <a:blip r:embed="rId3">
+            <a:alphaModFix/>
+          </a:blip>
+          <a:stretch>
+            <a:fillRect/>
+          </a:stretch>
+        </p:blipFill>
+        <p:spPr>
+          <a:xfrm>
+            <a:off x="4223938" y="1878825"/>
+            <a:ext cx="4143375" cy="3314700"/>
+          </a:xfrm>
+          <a:prstGeom prst="rect">
+            <a:avLst/>
+          </a:prstGeom>
+          <a:noFill/>
+          <a:ln>
+            <a:noFill/>
+          </a:ln>
+        </p:spPr>
+      </p:pic>
+    </p:spTree>
+  </p:cSld>
+  <p:clrMapOvr>
+    <a:masterClrMapping/>
+  </p:clrMapOvr>
+</p:sld>
+</file>
+
+<file path=ppt/slides/slide18.xml><?xml version="1.0" encoding="utf-8"?>
+<p:sld xmlns:a="http://schemas.openxmlformats.org/drawingml/2006/main" xmlns:r="http://schemas.openxmlformats.org/officeDocument/2006/relationships" xmlns:mc="http://schemas.openxmlformats.org/markup-compatibility/2006" xmlns:mv="urn:schemas-microsoft-com:mac:vml" xmlns:p="http://schemas.openxmlformats.org/presentationml/2006/main" xmlns:c="http://schemas.openxmlformats.org/drawingml/2006/chart" xmlns:dgm="http://schemas.openxmlformats.org/drawingml/2006/diagram" xmlns:o="urn:schemas-microsoft-com:office:office" xmlns:v="urn:schemas-microsoft-com:vml" xmlns:pvml="urn:schemas-microsoft-com:office:powerpoint" xmlns:com="http://schemas.openxmlformats.org/drawingml/2006/compatibility" xmlns:p14="http://schemas.microsoft.com/office/powerpoint/2010/main" xmlns:p15="http://schemas.microsoft.com/office/powerpoint/2012/main" xmlns:ahyp="http://schemas.microsoft.com/office/drawing/2018/hyperlinkcolor">
+  <p:cSld>
+    <p:spTree>
+      <p:nvGrpSpPr>
+        <p:cNvPr id="189" name="Shape 189"/>
+        <p:cNvGrpSpPr/>
+        <p:nvPr/>
+      </p:nvGrpSpPr>
+      <p:grpSpPr>
+        <a:xfrm>
+          <a:off x="0" y="0"/>
+          <a:ext cx="0" cy="0"/>
+          <a:chOff x="0" y="0"/>
+          <a:chExt cx="0" cy="0"/>
+        </a:xfrm>
+      </p:grpSpPr>
+      <p:sp>
+        <p:nvSpPr>
+          <p:cNvPr id="190" name="Google Shape;190;p30"/>
+          <p:cNvSpPr txBox="1"/>
+          <p:nvPr>
+            <p:ph type="title"/>
+          </p:nvPr>
+        </p:nvSpPr>
+        <p:spPr>
+          <a:xfrm>
+            <a:off x="98975" y="81175"/>
+            <a:ext cx="4424100" cy="953400"/>
+          </a:xfrm>
+          <a:prstGeom prst="rect">
+            <a:avLst/>
+          </a:prstGeom>
+        </p:spPr>
+        <p:txBody>
+          <a:bodyPr anchorCtr="0" anchor="b" bIns="91425" lIns="91425" spcFirstLastPara="1" rIns="91425" wrap="square" tIns="91425">
+            <a:noAutofit/>
+          </a:bodyPr>
+          <a:lstStyle/>
+          <a:p>
+            <a:pPr indent="0" lvl="0" marL="0" rtl="0" algn="l">
+              <a:spcBef>
+                <a:spcPts val="0"/>
+              </a:spcBef>
+              <a:spcAft>
+                <a:spcPts val="0"/>
+              </a:spcAft>
+              <a:buNone/>
+            </a:pPr>
+            <a:r>
+              <a:rPr lang="en" sz="3000"/>
+              <a:t>Ostali strukturalni paterni:</a:t>
+            </a:r>
+            <a:endParaRPr sz="2800"/>
+          </a:p>
+        </p:txBody>
+      </p:sp>
+      <p:sp>
+        <p:nvSpPr>
+          <p:cNvPr id="191" name="Google Shape;191;p30"/>
+          <p:cNvSpPr txBox="1"/>
+          <p:nvPr>
+            <p:ph idx="1" type="body"/>
+          </p:nvPr>
+        </p:nvSpPr>
+        <p:spPr>
+          <a:xfrm>
             <a:off x="98975" y="1034575"/>
             <a:ext cx="3033600" cy="3959400"/>
           </a:xfrm>
@@ -10409,7 +10756,7 @@
       </p:sp>
       <p:sp>
         <p:nvSpPr>
-          <p:cNvPr id="184" name="Google Shape;184;p29"/>
+          <p:cNvPr id="192" name="Google Shape;192;p30"/>
           <p:cNvSpPr txBox="1"/>
           <p:nvPr/>
         </p:nvSpPr>
@@ -10469,12 +10816,12 @@
 </p:sld>
 </file>
 
-<file path=ppt/slides/slide18.xml><?xml version="1.0" encoding="utf-8"?>
+<file path=ppt/slides/slide19.xml><?xml version="1.0" encoding="utf-8"?>
 <p:sld xmlns:a="http://schemas.openxmlformats.org/drawingml/2006/main" xmlns:r="http://schemas.openxmlformats.org/officeDocument/2006/relationships" xmlns:mc="http://schemas.openxmlformats.org/markup-compatibility/2006" xmlns:mv="urn:schemas-microsoft-com:mac:vml" xmlns:p="http://schemas.openxmlformats.org/presentationml/2006/main" xmlns:c="http://schemas.openxmlformats.org/drawingml/2006/chart" xmlns:dgm="http://schemas.openxmlformats.org/drawingml/2006/diagram" xmlns:o="urn:schemas-microsoft-com:office:office" xmlns:v="urn:schemas-microsoft-com:vml" xmlns:pvml="urn:schemas-microsoft-com:office:powerpoint" xmlns:com="http://schemas.openxmlformats.org/drawingml/2006/compatibility" xmlns:p14="http://schemas.microsoft.com/office/powerpoint/2010/main" xmlns:p15="http://schemas.microsoft.com/office/powerpoint/2012/main" xmlns:ahyp="http://schemas.microsoft.com/office/drawing/2018/hyperlinkcolor">
   <p:cSld>
     <p:spTree>
       <p:nvGrpSpPr>
-        <p:cNvPr id="188" name="Shape 188"/>
+        <p:cNvPr id="196" name="Shape 196"/>
         <p:cNvGrpSpPr/>
         <p:nvPr/>
       </p:nvGrpSpPr>
@@ -10488,7 +10835,7 @@
       </p:grpSpPr>
       <p:sp>
         <p:nvSpPr>
-          <p:cNvPr id="189" name="Google Shape;189;p30"/>
+          <p:cNvPr id="197" name="Google Shape;197;p31"/>
           <p:cNvSpPr txBox="1"/>
           <p:nvPr>
             <p:ph type="title"/>
@@ -10532,7 +10879,7 @@
       </p:sp>
       <p:pic>
         <p:nvPicPr>
-          <p:cNvPr id="190" name="Google Shape;190;p30"/>
+          <p:cNvPr id="198" name="Google Shape;198;p31"/>
           <p:cNvPicPr preferRelativeResize="0"/>
           <p:nvPr/>
         </p:nvPicPr>
@@ -10548,103 +10895,6 @@
           <a:xfrm>
             <a:off x="3291150" y="0"/>
             <a:ext cx="5852851" cy="5143499"/>
-          </a:xfrm>
-          <a:prstGeom prst="rect">
-            <a:avLst/>
-          </a:prstGeom>
-          <a:noFill/>
-          <a:ln>
-            <a:noFill/>
-          </a:ln>
-        </p:spPr>
-      </p:pic>
-    </p:spTree>
-  </p:cSld>
-  <p:clrMapOvr>
-    <a:masterClrMapping/>
-  </p:clrMapOvr>
-</p:sld>
-</file>
-
-<file path=ppt/slides/slide19.xml><?xml version="1.0" encoding="utf-8"?>
-<p:sld xmlns:a="http://schemas.openxmlformats.org/drawingml/2006/main" xmlns:r="http://schemas.openxmlformats.org/officeDocument/2006/relationships" xmlns:mc="http://schemas.openxmlformats.org/markup-compatibility/2006" xmlns:mv="urn:schemas-microsoft-com:mac:vml" xmlns:p="http://schemas.openxmlformats.org/presentationml/2006/main" xmlns:c="http://schemas.openxmlformats.org/drawingml/2006/chart" xmlns:dgm="http://schemas.openxmlformats.org/drawingml/2006/diagram" xmlns:o="urn:schemas-microsoft-com:office:office" xmlns:v="urn:schemas-microsoft-com:vml" xmlns:pvml="urn:schemas-microsoft-com:office:powerpoint" xmlns:com="http://schemas.openxmlformats.org/drawingml/2006/compatibility" xmlns:p14="http://schemas.microsoft.com/office/powerpoint/2010/main" xmlns:p15="http://schemas.microsoft.com/office/powerpoint/2012/main" xmlns:ahyp="http://schemas.microsoft.com/office/drawing/2018/hyperlinkcolor">
-  <p:cSld>
-    <p:spTree>
-      <p:nvGrpSpPr>
-        <p:cNvPr id="194" name="Shape 194"/>
-        <p:cNvGrpSpPr/>
-        <p:nvPr/>
-      </p:nvGrpSpPr>
-      <p:grpSpPr>
-        <a:xfrm>
-          <a:off x="0" y="0"/>
-          <a:ext cx="0" cy="0"/>
-          <a:chOff x="0" y="0"/>
-          <a:chExt cx="0" cy="0"/>
-        </a:xfrm>
-      </p:grpSpPr>
-      <p:sp>
-        <p:nvSpPr>
-          <p:cNvPr id="195" name="Google Shape;195;p31"/>
-          <p:cNvSpPr txBox="1"/>
-          <p:nvPr>
-            <p:ph type="title"/>
-          </p:nvPr>
-        </p:nvSpPr>
-        <p:spPr>
-          <a:xfrm>
-            <a:off x="226078" y="357800"/>
-            <a:ext cx="2808000" cy="953400"/>
-          </a:xfrm>
-          <a:prstGeom prst="rect">
-            <a:avLst/>
-          </a:prstGeom>
-        </p:spPr>
-        <p:txBody>
-          <a:bodyPr anchorCtr="0" anchor="b" bIns="91425" lIns="91425" spcFirstLastPara="1" rIns="91425" wrap="square" tIns="91425">
-            <a:noAutofit/>
-          </a:bodyPr>
-          <a:lstStyle/>
-          <a:p>
-            <a:pPr indent="0" lvl="0" marL="0" rtl="0" algn="l">
-              <a:spcBef>
-                <a:spcPts val="0"/>
-              </a:spcBef>
-              <a:spcAft>
-                <a:spcPts val="0"/>
-              </a:spcAft>
-              <a:buNone/>
-            </a:pPr>
-            <a:r>
-              <a:rPr lang="en"/>
-              <a:t>ERD</a:t>
-            </a:r>
-            <a:r>
-              <a:rPr lang="en"/>
-              <a:t>iagram</a:t>
-            </a:r>
-            <a:endParaRPr/>
-          </a:p>
-        </p:txBody>
-      </p:sp>
-      <p:pic>
-        <p:nvPicPr>
-          <p:cNvPr id="196" name="Google Shape;196;p31"/>
-          <p:cNvPicPr preferRelativeResize="0"/>
-          <p:nvPr/>
-        </p:nvPicPr>
-        <p:blipFill>
-          <a:blip r:embed="rId3">
-            <a:alphaModFix/>
-          </a:blip>
-          <a:stretch>
-            <a:fillRect/>
-          </a:stretch>
-        </p:blipFill>
-        <p:spPr>
-          <a:xfrm>
-            <a:off x="3276200" y="0"/>
-            <a:ext cx="5867799" cy="5143500"/>
           </a:xfrm>
           <a:prstGeom prst="rect">
             <a:avLst/>
@@ -10714,7 +10964,7 @@
             </a:pPr>
             <a:r>
               <a:rPr lang="en"/>
-              <a:t>Introduction</a:t>
+              <a:t>Uvod</a:t>
             </a:r>
             <a:endParaRPr/>
           </a:p>
@@ -10813,7 +11063,7 @@
   <p:cSld>
     <p:spTree>
       <p:nvGrpSpPr>
-        <p:cNvPr id="200" name="Shape 200"/>
+        <p:cNvPr id="202" name="Shape 202"/>
         <p:cNvGrpSpPr/>
         <p:nvPr/>
       </p:nvGrpSpPr>
@@ -10827,7 +11077,7 @@
       </p:grpSpPr>
       <p:sp>
         <p:nvSpPr>
-          <p:cNvPr id="201" name="Google Shape;201;p32"/>
+          <p:cNvPr id="203" name="Google Shape;203;p32"/>
           <p:cNvSpPr txBox="1"/>
           <p:nvPr>
             <p:ph type="title"/>
@@ -10835,7 +11085,7 @@
         </p:nvSpPr>
         <p:spPr>
           <a:xfrm>
-            <a:off x="98978" y="81175"/>
+            <a:off x="226078" y="357800"/>
             <a:ext cx="2808000" cy="953400"/>
           </a:xfrm>
           <a:prstGeom prst="rect">
@@ -10858,23 +11108,35 @@
               <a:buNone/>
             </a:pPr>
             <a:r>
-              <a:rPr lang="en" sz="2900"/>
-              <a:t>Used Creational Patterns:</a:t>
+              <a:rPr lang="en"/>
+              <a:t>ERD</a:t>
             </a:r>
-            <a:endParaRPr sz="2900"/>
+            <a:r>
+              <a:rPr lang="en"/>
+              <a:t>iagram</a:t>
+            </a:r>
+            <a:endParaRPr/>
           </a:p>
         </p:txBody>
       </p:sp>
-      <p:sp>
-        <p:nvSpPr>
-          <p:cNvPr id="202" name="Google Shape;202;p32"/>
-          <p:cNvSpPr txBox="1"/>
+      <p:pic>
+        <p:nvPicPr>
+          <p:cNvPr id="204" name="Google Shape;204;p32"/>
+          <p:cNvPicPr preferRelativeResize="0"/>
           <p:nvPr/>
-        </p:nvSpPr>
-        <p:spPr>
-          <a:xfrm>
-            <a:off x="98975" y="1114088"/>
-            <a:ext cx="2541900" cy="615600"/>
+        </p:nvPicPr>
+        <p:blipFill>
+          <a:blip r:embed="rId3">
+            <a:alphaModFix/>
+          </a:blip>
+          <a:stretch>
+            <a:fillRect/>
+          </a:stretch>
+        </p:blipFill>
+        <p:spPr>
+          <a:xfrm>
+            <a:off x="3276200" y="0"/>
+            <a:ext cx="5867799" cy="5143500"/>
           </a:xfrm>
           <a:prstGeom prst="rect">
             <a:avLst/>
@@ -10884,184 +11146,7 @@
             <a:noFill/>
           </a:ln>
         </p:spPr>
-        <p:txBody>
-          <a:bodyPr anchorCtr="0" anchor="t" bIns="91425" lIns="91425" spcFirstLastPara="1" rIns="91425" wrap="square" tIns="91425">
-            <a:spAutoFit/>
-          </a:bodyPr>
-          <a:lstStyle/>
-          <a:p>
-            <a:pPr indent="-317500" lvl="0" marL="457200" rtl="0" algn="l">
-              <a:spcBef>
-                <a:spcPts val="0"/>
-              </a:spcBef>
-              <a:spcAft>
-                <a:spcPts val="0"/>
-              </a:spcAft>
-              <a:buClr>
-                <a:schemeClr val="lt1"/>
-              </a:buClr>
-              <a:buSzPts val="1400"/>
-              <a:buFont typeface="Roboto"/>
-              <a:buChar char="❏"/>
-            </a:pPr>
-            <a:r>
-              <a:rPr lang="en">
-                <a:solidFill>
-                  <a:schemeClr val="lt1"/>
-                </a:solidFill>
-                <a:latin typeface="Roboto"/>
-                <a:ea typeface="Roboto"/>
-                <a:cs typeface="Roboto"/>
-                <a:sym typeface="Roboto"/>
-              </a:rPr>
-              <a:t>Singleton</a:t>
-            </a:r>
-            <a:endParaRPr>
-              <a:solidFill>
-                <a:schemeClr val="lt1"/>
-              </a:solidFill>
-              <a:latin typeface="Roboto"/>
-              <a:ea typeface="Roboto"/>
-              <a:cs typeface="Roboto"/>
-              <a:sym typeface="Roboto"/>
-            </a:endParaRPr>
-          </a:p>
-          <a:p>
-            <a:pPr indent="-317500" lvl="0" marL="457200" rtl="0" algn="l">
-              <a:spcBef>
-                <a:spcPts val="0"/>
-              </a:spcBef>
-              <a:spcAft>
-                <a:spcPts val="0"/>
-              </a:spcAft>
-              <a:buClr>
-                <a:schemeClr val="lt1"/>
-              </a:buClr>
-              <a:buSzPts val="1400"/>
-              <a:buFont typeface="Roboto"/>
-              <a:buChar char="❏"/>
-            </a:pPr>
-            <a:r>
-              <a:rPr lang="en">
-                <a:solidFill>
-                  <a:schemeClr val="lt1"/>
-                </a:solidFill>
-                <a:latin typeface="Roboto"/>
-                <a:ea typeface="Roboto"/>
-                <a:cs typeface="Roboto"/>
-                <a:sym typeface="Roboto"/>
-              </a:rPr>
-              <a:t>Builder</a:t>
-            </a:r>
-            <a:endParaRPr>
-              <a:solidFill>
-                <a:schemeClr val="lt1"/>
-              </a:solidFill>
-              <a:latin typeface="Roboto"/>
-              <a:ea typeface="Roboto"/>
-              <a:cs typeface="Roboto"/>
-              <a:sym typeface="Roboto"/>
-            </a:endParaRPr>
-          </a:p>
-        </p:txBody>
-      </p:sp>
-      <p:sp>
-        <p:nvSpPr>
-          <p:cNvPr id="203" name="Google Shape;203;p32"/>
-          <p:cNvSpPr txBox="1"/>
-          <p:nvPr/>
-        </p:nvSpPr>
-        <p:spPr>
-          <a:xfrm>
-            <a:off x="3401600" y="81175"/>
-            <a:ext cx="5652000" cy="2786100"/>
-          </a:xfrm>
-          <a:prstGeom prst="rect">
-            <a:avLst/>
-          </a:prstGeom>
-          <a:noFill/>
-          <a:ln>
-            <a:noFill/>
-          </a:ln>
-        </p:spPr>
-        <p:txBody>
-          <a:bodyPr anchorCtr="0" anchor="t" bIns="91425" lIns="91425" spcFirstLastPara="1" rIns="91425" wrap="square" tIns="91425">
-            <a:spAutoFit/>
-          </a:bodyPr>
-          <a:lstStyle/>
-          <a:p>
-            <a:pPr indent="-311150" lvl="0" marL="457200" rtl="0" algn="just">
-              <a:spcBef>
-                <a:spcPts val="0"/>
-              </a:spcBef>
-              <a:spcAft>
-                <a:spcPts val="0"/>
-              </a:spcAft>
-              <a:buSzPts val="1300"/>
-              <a:buChar char="●"/>
-            </a:pPr>
-            <a:r>
-              <a:rPr lang="en" sz="1300"/>
-              <a:t>U većini programa postoji potreba za nekim objektima koje je potrebno samo jednom instancirati i nad kojim je potrebna jedinstvena kontrola pristupa. Ovo se postiže sa privatnim konstruktorom, te upotrebom statičkog atributa tipa same klase. Također je potrebno napraviti javnu statičku kreacionu metodu. Kako bi osigurali da uvijek može postojati najviše jedna instanca singleton klase, ova metoda će koristiti if statement koji provjerava da li istanca uopšte postoji, te ako postoji, vraća reference na njega. U suprotnom, kreira novi singleton objekat i vraća reference na njega. Mi smo iskoristili Singleton pattern da bi realizirali funkcionalnost preporuka. Svaki korisnik može na početnoj stranici vidjeti preporučeni koncert, baziran na ocjenama izvodača. Ovaj koncert se bira svake sedmice.</a:t>
-            </a:r>
-            <a:endParaRPr sz="1300"/>
-          </a:p>
-        </p:txBody>
-      </p:sp>
-      <p:sp>
-        <p:nvSpPr>
-          <p:cNvPr id="204" name="Google Shape;204;p32"/>
-          <p:cNvSpPr txBox="1"/>
-          <p:nvPr/>
-        </p:nvSpPr>
-        <p:spPr>
-          <a:xfrm>
-            <a:off x="3401600" y="2867275"/>
-            <a:ext cx="5450100" cy="2185800"/>
-          </a:xfrm>
-          <a:prstGeom prst="rect">
-            <a:avLst/>
-          </a:prstGeom>
-          <a:noFill/>
-          <a:ln>
-            <a:noFill/>
-          </a:ln>
-        </p:spPr>
-        <p:txBody>
-          <a:bodyPr anchorCtr="0" anchor="t" bIns="91425" lIns="91425" spcFirstLastPara="1" rIns="91425" wrap="square" tIns="91425">
-            <a:spAutoFit/>
-          </a:bodyPr>
-          <a:lstStyle/>
-          <a:p>
-            <a:pPr indent="-311150" lvl="0" marL="457200" rtl="0" algn="just">
-              <a:spcBef>
-                <a:spcPts val="0"/>
-              </a:spcBef>
-              <a:spcAft>
-                <a:spcPts val="0"/>
-              </a:spcAft>
-              <a:buSzPts val="1300"/>
-              <a:buFont typeface="Roboto"/>
-              <a:buChar char="●"/>
-            </a:pPr>
-            <a:r>
-              <a:rPr lang="en" sz="1300">
-                <a:latin typeface="Roboto"/>
-                <a:ea typeface="Roboto"/>
-                <a:cs typeface="Roboto"/>
-                <a:sym typeface="Roboto"/>
-              </a:rPr>
-              <a:t>Factory metod pattern koristimo ukoliko nismo sigurni tačno sa kakvim tipom objekata će naš kod raditi. Ovaj pattern proširuje konstrukcijski kod nekog objekta nezavisno od ostatka aplikacije. U budućnosti, ovo omogućava uvođenje novih objekata bez kvarenja dijelova postojećeg koda. Ovaj metod također centralizira kreiranje objekata na jedno mjesto u aplikaciji. U našem sistemu, imamo više vrsta koncerata (ovisno od žanra), pa nalazimo primjenu za ovaj pattern. Kreiranjem nekog interfejsa IVrstaKoncerta, zajedno sa podklasama koje odgovaraju vrstama koncerata.</a:t>
-            </a:r>
-            <a:endParaRPr sz="1300">
-              <a:latin typeface="Roboto"/>
-              <a:ea typeface="Roboto"/>
-              <a:cs typeface="Roboto"/>
-              <a:sym typeface="Roboto"/>
-            </a:endParaRPr>
-          </a:p>
-        </p:txBody>
-      </p:sp>
+      </p:pic>
     </p:spTree>
   </p:cSld>
   <p:clrMapOvr>
@@ -11097,8 +11182,8 @@
         </p:nvSpPr>
         <p:spPr>
           <a:xfrm>
-            <a:off x="98978" y="81175"/>
-            <a:ext cx="2808000" cy="953400"/>
+            <a:off x="98975" y="81175"/>
+            <a:ext cx="3041100" cy="953400"/>
           </a:xfrm>
           <a:prstGeom prst="rect">
             <a:avLst/>
@@ -11120,10 +11205,10 @@
               <a:buNone/>
             </a:pPr>
             <a:r>
-              <a:rPr lang="en" sz="2800"/>
-              <a:t>Other Creational Patterns:</a:t>
+              <a:rPr lang="en" sz="2900"/>
+              <a:t>Korišteni Kreacijski Paterni</a:t>
             </a:r>
-            <a:endParaRPr sz="2800"/>
+            <a:endParaRPr sz="2900"/>
           </a:p>
         </p:txBody>
       </p:sp>
@@ -11135,8 +11220,8 @@
         </p:nvSpPr>
         <p:spPr>
           <a:xfrm>
-            <a:off x="193175" y="1121400"/>
-            <a:ext cx="2713800" cy="831300"/>
+            <a:off x="98975" y="1114088"/>
+            <a:ext cx="2541900" cy="615600"/>
           </a:xfrm>
           <a:prstGeom prst="rect">
             <a:avLst/>
@@ -11176,7 +11261,462 @@
                 <a:cs typeface="Roboto"/>
                 <a:sym typeface="Roboto"/>
               </a:rPr>
-              <a:t>Factory Method</a:t>
+              <a:t>Singleton</a:t>
+            </a:r>
+            <a:endParaRPr>
+              <a:solidFill>
+                <a:schemeClr val="lt1"/>
+              </a:solidFill>
+              <a:latin typeface="Roboto"/>
+              <a:ea typeface="Roboto"/>
+              <a:cs typeface="Roboto"/>
+              <a:sym typeface="Roboto"/>
+            </a:endParaRPr>
+          </a:p>
+          <a:p>
+            <a:pPr indent="0" lvl="0" marL="914400" rtl="0" algn="l">
+              <a:spcBef>
+                <a:spcPts val="0"/>
+              </a:spcBef>
+              <a:spcAft>
+                <a:spcPts val="0"/>
+              </a:spcAft>
+              <a:buNone/>
+            </a:pPr>
+            <a:r>
+              <a:t/>
+            </a:r>
+            <a:endParaRPr>
+              <a:solidFill>
+                <a:schemeClr val="lt1"/>
+              </a:solidFill>
+              <a:latin typeface="Roboto"/>
+              <a:ea typeface="Roboto"/>
+              <a:cs typeface="Roboto"/>
+              <a:sym typeface="Roboto"/>
+            </a:endParaRPr>
+          </a:p>
+        </p:txBody>
+      </p:sp>
+      <p:sp>
+        <p:nvSpPr>
+          <p:cNvPr id="211" name="Google Shape;211;p33"/>
+          <p:cNvSpPr txBox="1"/>
+          <p:nvPr/>
+        </p:nvSpPr>
+        <p:spPr>
+          <a:xfrm>
+            <a:off x="3401600" y="81175"/>
+            <a:ext cx="5652000" cy="2786100"/>
+          </a:xfrm>
+          <a:prstGeom prst="rect">
+            <a:avLst/>
+          </a:prstGeom>
+          <a:noFill/>
+          <a:ln>
+            <a:noFill/>
+          </a:ln>
+        </p:spPr>
+        <p:txBody>
+          <a:bodyPr anchorCtr="0" anchor="t" bIns="91425" lIns="91425" spcFirstLastPara="1" rIns="91425" wrap="square" tIns="91425">
+            <a:spAutoFit/>
+          </a:bodyPr>
+          <a:lstStyle/>
+          <a:p>
+            <a:pPr indent="-311150" lvl="0" marL="457200" rtl="0" algn="just">
+              <a:spcBef>
+                <a:spcPts val="0"/>
+              </a:spcBef>
+              <a:spcAft>
+                <a:spcPts val="0"/>
+              </a:spcAft>
+              <a:buSzPts val="1300"/>
+              <a:buChar char="●"/>
+            </a:pPr>
+            <a:r>
+              <a:rPr lang="en" sz="1300"/>
+              <a:t>U većini programa postoji potreba za nekim objektima koje je potrebno samo jednom instancirati i nad kojim je potrebna jedinstvena kontrola pristupa. Ovo se postiže sa privatnim konstruktorom, te upotrebom statičkog atributa tipa same klase. Također je potrebno napraviti javnu statičku kreacionu metodu. Kako bi osigurali da uvijek može postojati najviše jedna instanca singleton klase, ova metoda će koristiti if statement koji provjerava da li istanca uopšte postoji, te ako postoji, vraća reference na njega. U suprotnom, kreira novi singleton objekat i vraća reference na njega. Mi smo iskoristili Singleton pattern da bi realizirali funkcionalnost preporuka. Svaki korisnik može na početnoj stranici vidjeti preporučeni koncert, baziran na ocjenama izvodača. Ovaj koncert se bira svake sedmice.</a:t>
+            </a:r>
+            <a:endParaRPr sz="1300"/>
+          </a:p>
+        </p:txBody>
+      </p:sp>
+      <p:pic>
+        <p:nvPicPr>
+          <p:cNvPr id="212" name="Google Shape;212;p33"/>
+          <p:cNvPicPr preferRelativeResize="0"/>
+          <p:nvPr/>
+        </p:nvPicPr>
+        <p:blipFill>
+          <a:blip r:embed="rId3">
+            <a:alphaModFix/>
+          </a:blip>
+          <a:stretch>
+            <a:fillRect/>
+          </a:stretch>
+        </p:blipFill>
+        <p:spPr>
+          <a:xfrm>
+            <a:off x="4406250" y="2867275"/>
+            <a:ext cx="3776151" cy="2096800"/>
+          </a:xfrm>
+          <a:prstGeom prst="rect">
+            <a:avLst/>
+          </a:prstGeom>
+          <a:noFill/>
+          <a:ln>
+            <a:noFill/>
+          </a:ln>
+        </p:spPr>
+      </p:pic>
+    </p:spTree>
+  </p:cSld>
+  <p:clrMapOvr>
+    <a:masterClrMapping/>
+  </p:clrMapOvr>
+</p:sld>
+</file>
+
+<file path=ppt/slides/slide22.xml><?xml version="1.0" encoding="utf-8"?>
+<p:sld xmlns:a="http://schemas.openxmlformats.org/drawingml/2006/main" xmlns:r="http://schemas.openxmlformats.org/officeDocument/2006/relationships" xmlns:mc="http://schemas.openxmlformats.org/markup-compatibility/2006" xmlns:mv="urn:schemas-microsoft-com:mac:vml" xmlns:p="http://schemas.openxmlformats.org/presentationml/2006/main" xmlns:c="http://schemas.openxmlformats.org/drawingml/2006/chart" xmlns:dgm="http://schemas.openxmlformats.org/drawingml/2006/diagram" xmlns:o="urn:schemas-microsoft-com:office:office" xmlns:v="urn:schemas-microsoft-com:vml" xmlns:pvml="urn:schemas-microsoft-com:office:powerpoint" xmlns:com="http://schemas.openxmlformats.org/drawingml/2006/compatibility" xmlns:p14="http://schemas.microsoft.com/office/powerpoint/2010/main" xmlns:p15="http://schemas.microsoft.com/office/powerpoint/2012/main" xmlns:ahyp="http://schemas.microsoft.com/office/drawing/2018/hyperlinkcolor">
+  <p:cSld>
+    <p:spTree>
+      <p:nvGrpSpPr>
+        <p:cNvPr id="216" name="Shape 216"/>
+        <p:cNvGrpSpPr/>
+        <p:nvPr/>
+      </p:nvGrpSpPr>
+      <p:grpSpPr>
+        <a:xfrm>
+          <a:off x="0" y="0"/>
+          <a:ext cx="0" cy="0"/>
+          <a:chOff x="0" y="0"/>
+          <a:chExt cx="0" cy="0"/>
+        </a:xfrm>
+      </p:grpSpPr>
+      <p:sp>
+        <p:nvSpPr>
+          <p:cNvPr id="217" name="Google Shape;217;p34"/>
+          <p:cNvSpPr txBox="1"/>
+          <p:nvPr>
+            <p:ph type="title"/>
+          </p:nvPr>
+        </p:nvSpPr>
+        <p:spPr>
+          <a:xfrm>
+            <a:off x="98975" y="81175"/>
+            <a:ext cx="3041100" cy="953400"/>
+          </a:xfrm>
+          <a:prstGeom prst="rect">
+            <a:avLst/>
+          </a:prstGeom>
+        </p:spPr>
+        <p:txBody>
+          <a:bodyPr anchorCtr="0" anchor="b" bIns="91425" lIns="91425" spcFirstLastPara="1" rIns="91425" wrap="square" tIns="91425">
+            <a:noAutofit/>
+          </a:bodyPr>
+          <a:lstStyle/>
+          <a:p>
+            <a:pPr indent="0" lvl="0" marL="0" rtl="0" algn="l">
+              <a:spcBef>
+                <a:spcPts val="0"/>
+              </a:spcBef>
+              <a:spcAft>
+                <a:spcPts val="0"/>
+              </a:spcAft>
+              <a:buNone/>
+            </a:pPr>
+            <a:r>
+              <a:rPr lang="en" sz="2900"/>
+              <a:t>Korišteni Kreacijski Paterni</a:t>
+            </a:r>
+            <a:endParaRPr sz="2900"/>
+          </a:p>
+        </p:txBody>
+      </p:sp>
+      <p:sp>
+        <p:nvSpPr>
+          <p:cNvPr id="218" name="Google Shape;218;p34"/>
+          <p:cNvSpPr txBox="1"/>
+          <p:nvPr/>
+        </p:nvSpPr>
+        <p:spPr>
+          <a:xfrm>
+            <a:off x="98975" y="1114088"/>
+            <a:ext cx="2541900" cy="615600"/>
+          </a:xfrm>
+          <a:prstGeom prst="rect">
+            <a:avLst/>
+          </a:prstGeom>
+          <a:noFill/>
+          <a:ln>
+            <a:noFill/>
+          </a:ln>
+        </p:spPr>
+        <p:txBody>
+          <a:bodyPr anchorCtr="0" anchor="t" bIns="91425" lIns="91425" spcFirstLastPara="1" rIns="91425" wrap="square" tIns="91425">
+            <a:spAutoFit/>
+          </a:bodyPr>
+          <a:lstStyle/>
+          <a:p>
+            <a:pPr indent="-317500" lvl="0" marL="457200" rtl="0" algn="l">
+              <a:spcBef>
+                <a:spcPts val="0"/>
+              </a:spcBef>
+              <a:spcAft>
+                <a:spcPts val="0"/>
+              </a:spcAft>
+              <a:buClr>
+                <a:schemeClr val="lt1"/>
+              </a:buClr>
+              <a:buSzPts val="1400"/>
+              <a:buFont typeface="Roboto"/>
+              <a:buChar char="❏"/>
+            </a:pPr>
+            <a:r>
+              <a:rPr lang="en">
+                <a:solidFill>
+                  <a:schemeClr val="lt1"/>
+                </a:solidFill>
+                <a:latin typeface="Roboto"/>
+                <a:ea typeface="Roboto"/>
+                <a:cs typeface="Roboto"/>
+                <a:sym typeface="Roboto"/>
+              </a:rPr>
+              <a:t>Factory</a:t>
+            </a:r>
+            <a:endParaRPr>
+              <a:solidFill>
+                <a:schemeClr val="lt1"/>
+              </a:solidFill>
+              <a:latin typeface="Roboto"/>
+              <a:ea typeface="Roboto"/>
+              <a:cs typeface="Roboto"/>
+              <a:sym typeface="Roboto"/>
+            </a:endParaRPr>
+          </a:p>
+          <a:p>
+            <a:pPr indent="0" lvl="0" marL="914400" rtl="0" algn="l">
+              <a:spcBef>
+                <a:spcPts val="0"/>
+              </a:spcBef>
+              <a:spcAft>
+                <a:spcPts val="0"/>
+              </a:spcAft>
+              <a:buNone/>
+            </a:pPr>
+            <a:r>
+              <a:t/>
+            </a:r>
+            <a:endParaRPr>
+              <a:solidFill>
+                <a:schemeClr val="lt1"/>
+              </a:solidFill>
+              <a:latin typeface="Roboto"/>
+              <a:ea typeface="Roboto"/>
+              <a:cs typeface="Roboto"/>
+              <a:sym typeface="Roboto"/>
+            </a:endParaRPr>
+          </a:p>
+        </p:txBody>
+      </p:sp>
+      <p:sp>
+        <p:nvSpPr>
+          <p:cNvPr id="219" name="Google Shape;219;p34"/>
+          <p:cNvSpPr txBox="1"/>
+          <p:nvPr/>
+        </p:nvSpPr>
+        <p:spPr>
+          <a:xfrm>
+            <a:off x="3334325" y="81175"/>
+            <a:ext cx="5450100" cy="2185800"/>
+          </a:xfrm>
+          <a:prstGeom prst="rect">
+            <a:avLst/>
+          </a:prstGeom>
+          <a:noFill/>
+          <a:ln>
+            <a:noFill/>
+          </a:ln>
+        </p:spPr>
+        <p:txBody>
+          <a:bodyPr anchorCtr="0" anchor="t" bIns="91425" lIns="91425" spcFirstLastPara="1" rIns="91425" wrap="square" tIns="91425">
+            <a:spAutoFit/>
+          </a:bodyPr>
+          <a:lstStyle/>
+          <a:p>
+            <a:pPr indent="-311150" lvl="0" marL="457200" rtl="0" algn="just">
+              <a:spcBef>
+                <a:spcPts val="0"/>
+              </a:spcBef>
+              <a:spcAft>
+                <a:spcPts val="0"/>
+              </a:spcAft>
+              <a:buSzPts val="1300"/>
+              <a:buFont typeface="Roboto"/>
+              <a:buChar char="●"/>
+            </a:pPr>
+            <a:r>
+              <a:rPr lang="en" sz="1300">
+                <a:latin typeface="Roboto"/>
+                <a:ea typeface="Roboto"/>
+                <a:cs typeface="Roboto"/>
+                <a:sym typeface="Roboto"/>
+              </a:rPr>
+              <a:t>Factory metod pattern koristimo ukoliko nismo sigurni tačno sa kakvim tipom objekata će naš kod raditi. Ovaj pattern proširuje konstrukcijski kod nekog objekta nezavisno od ostatka aplikacije. U budućnosti, ovo omogućava uvođenje novih objekata bez kvarenja dijelova postojećeg koda. Ovaj metod također centralizira kreiranje objekata na jedno mjesto u aplikaciji. U našem sistemu, imamo više vrsta koncerata (ovisno od žanra), pa nalazimo primjenu za ovaj pattern. Kreiranjem nekog interfejsa IVrstaKoncerta, zajedno sa podklasama koje odgovaraju vrstama koncerata.</a:t>
+            </a:r>
+            <a:endParaRPr sz="1300">
+              <a:latin typeface="Roboto"/>
+              <a:ea typeface="Roboto"/>
+              <a:cs typeface="Roboto"/>
+              <a:sym typeface="Roboto"/>
+            </a:endParaRPr>
+          </a:p>
+        </p:txBody>
+      </p:sp>
+      <p:pic>
+        <p:nvPicPr>
+          <p:cNvPr id="220" name="Google Shape;220;p34"/>
+          <p:cNvPicPr preferRelativeResize="0"/>
+          <p:nvPr/>
+        </p:nvPicPr>
+        <p:blipFill>
+          <a:blip r:embed="rId3">
+            <a:alphaModFix/>
+          </a:blip>
+          <a:stretch>
+            <a:fillRect/>
+          </a:stretch>
+        </p:blipFill>
+        <p:spPr>
+          <a:xfrm>
+            <a:off x="3933050" y="2389475"/>
+            <a:ext cx="4252642" cy="2571725"/>
+          </a:xfrm>
+          <a:prstGeom prst="rect">
+            <a:avLst/>
+          </a:prstGeom>
+          <a:noFill/>
+          <a:ln>
+            <a:noFill/>
+          </a:ln>
+        </p:spPr>
+      </p:pic>
+    </p:spTree>
+  </p:cSld>
+  <p:clrMapOvr>
+    <a:masterClrMapping/>
+  </p:clrMapOvr>
+</p:sld>
+</file>
+
+<file path=ppt/slides/slide23.xml><?xml version="1.0" encoding="utf-8"?>
+<p:sld xmlns:a="http://schemas.openxmlformats.org/drawingml/2006/main" xmlns:r="http://schemas.openxmlformats.org/officeDocument/2006/relationships" xmlns:mc="http://schemas.openxmlformats.org/markup-compatibility/2006" xmlns:mv="urn:schemas-microsoft-com:mac:vml" xmlns:p="http://schemas.openxmlformats.org/presentationml/2006/main" xmlns:c="http://schemas.openxmlformats.org/drawingml/2006/chart" xmlns:dgm="http://schemas.openxmlformats.org/drawingml/2006/diagram" xmlns:o="urn:schemas-microsoft-com:office:office" xmlns:v="urn:schemas-microsoft-com:vml" xmlns:pvml="urn:schemas-microsoft-com:office:powerpoint" xmlns:com="http://schemas.openxmlformats.org/drawingml/2006/compatibility" xmlns:p14="http://schemas.microsoft.com/office/powerpoint/2010/main" xmlns:p15="http://schemas.microsoft.com/office/powerpoint/2012/main" xmlns:ahyp="http://schemas.microsoft.com/office/drawing/2018/hyperlinkcolor">
+  <p:cSld>
+    <p:spTree>
+      <p:nvGrpSpPr>
+        <p:cNvPr id="224" name="Shape 224"/>
+        <p:cNvGrpSpPr/>
+        <p:nvPr/>
+      </p:nvGrpSpPr>
+      <p:grpSpPr>
+        <a:xfrm>
+          <a:off x="0" y="0"/>
+          <a:ext cx="0" cy="0"/>
+          <a:chOff x="0" y="0"/>
+          <a:chExt cx="0" cy="0"/>
+        </a:xfrm>
+      </p:grpSpPr>
+      <p:sp>
+        <p:nvSpPr>
+          <p:cNvPr id="225" name="Google Shape;225;p35"/>
+          <p:cNvSpPr txBox="1"/>
+          <p:nvPr>
+            <p:ph type="title"/>
+          </p:nvPr>
+        </p:nvSpPr>
+        <p:spPr>
+          <a:xfrm>
+            <a:off x="98978" y="81175"/>
+            <a:ext cx="2808000" cy="953400"/>
+          </a:xfrm>
+          <a:prstGeom prst="rect">
+            <a:avLst/>
+          </a:prstGeom>
+        </p:spPr>
+        <p:txBody>
+          <a:bodyPr anchorCtr="0" anchor="b" bIns="91425" lIns="91425" spcFirstLastPara="1" rIns="91425" wrap="square" tIns="91425">
+            <a:noAutofit/>
+          </a:bodyPr>
+          <a:lstStyle/>
+          <a:p>
+            <a:pPr indent="0" lvl="0" marL="0" rtl="0" algn="l">
+              <a:spcBef>
+                <a:spcPts val="0"/>
+              </a:spcBef>
+              <a:spcAft>
+                <a:spcPts val="0"/>
+              </a:spcAft>
+              <a:buNone/>
+            </a:pPr>
+            <a:r>
+              <a:rPr lang="en" sz="2800"/>
+              <a:t>Ostali Kreacijski Paterni</a:t>
+            </a:r>
+            <a:endParaRPr sz="2800"/>
+          </a:p>
+        </p:txBody>
+      </p:sp>
+      <p:sp>
+        <p:nvSpPr>
+          <p:cNvPr id="226" name="Google Shape;226;p35"/>
+          <p:cNvSpPr txBox="1"/>
+          <p:nvPr/>
+        </p:nvSpPr>
+        <p:spPr>
+          <a:xfrm>
+            <a:off x="193175" y="1121400"/>
+            <a:ext cx="2713800" cy="831300"/>
+          </a:xfrm>
+          <a:prstGeom prst="rect">
+            <a:avLst/>
+          </a:prstGeom>
+          <a:noFill/>
+          <a:ln>
+            <a:noFill/>
+          </a:ln>
+        </p:spPr>
+        <p:txBody>
+          <a:bodyPr anchorCtr="0" anchor="t" bIns="91425" lIns="91425" spcFirstLastPara="1" rIns="91425" wrap="square" tIns="91425">
+            <a:spAutoFit/>
+          </a:bodyPr>
+          <a:lstStyle/>
+          <a:p>
+            <a:pPr indent="-317500" lvl="0" marL="457200" rtl="0" algn="l">
+              <a:spcBef>
+                <a:spcPts val="0"/>
+              </a:spcBef>
+              <a:spcAft>
+                <a:spcPts val="0"/>
+              </a:spcAft>
+              <a:buClr>
+                <a:schemeClr val="lt1"/>
+              </a:buClr>
+              <a:buSzPts val="1400"/>
+              <a:buFont typeface="Roboto"/>
+              <a:buChar char="❏"/>
+            </a:pPr>
+            <a:r>
+              <a:rPr lang="en">
+                <a:solidFill>
+                  <a:schemeClr val="lt1"/>
+                </a:solidFill>
+                <a:latin typeface="Roboto"/>
+                <a:ea typeface="Roboto"/>
+                <a:cs typeface="Roboto"/>
+                <a:sym typeface="Roboto"/>
+              </a:rPr>
+              <a:t>Builder </a:t>
             </a:r>
             <a:endParaRPr>
               <a:solidFill>
@@ -11266,7 +11806,7 @@
       </p:sp>
       <p:sp>
         <p:nvSpPr>
-          <p:cNvPr id="211" name="Google Shape;211;p33"/>
+          <p:cNvPr id="227" name="Google Shape;227;p35"/>
           <p:cNvSpPr txBox="1"/>
           <p:nvPr/>
         </p:nvSpPr>
@@ -11326,12 +11866,12 @@
 </p:sld>
 </file>
 
-<file path=ppt/slides/slide22.xml><?xml version="1.0" encoding="utf-8"?>
+<file path=ppt/slides/slide24.xml><?xml version="1.0" encoding="utf-8"?>
 <p:sld xmlns:a="http://schemas.openxmlformats.org/drawingml/2006/main" xmlns:r="http://schemas.openxmlformats.org/officeDocument/2006/relationships" xmlns:mc="http://schemas.openxmlformats.org/markup-compatibility/2006" xmlns:mv="urn:schemas-microsoft-com:mac:vml" xmlns:p="http://schemas.openxmlformats.org/presentationml/2006/main" xmlns:c="http://schemas.openxmlformats.org/drawingml/2006/chart" xmlns:dgm="http://schemas.openxmlformats.org/drawingml/2006/diagram" xmlns:o="urn:schemas-microsoft-com:office:office" xmlns:v="urn:schemas-microsoft-com:vml" xmlns:pvml="urn:schemas-microsoft-com:office:powerpoint" xmlns:com="http://schemas.openxmlformats.org/drawingml/2006/compatibility" xmlns:p14="http://schemas.microsoft.com/office/powerpoint/2010/main" xmlns:p15="http://schemas.microsoft.com/office/powerpoint/2012/main" xmlns:ahyp="http://schemas.microsoft.com/office/drawing/2018/hyperlinkcolor">
   <p:cSld>
     <p:spTree>
       <p:nvGrpSpPr>
-        <p:cNvPr id="215" name="Shape 215"/>
+        <p:cNvPr id="231" name="Shape 231"/>
         <p:cNvGrpSpPr/>
         <p:nvPr/>
       </p:nvGrpSpPr>
@@ -11345,7 +11885,7 @@
       </p:grpSpPr>
       <p:sp>
         <p:nvSpPr>
-          <p:cNvPr id="216" name="Google Shape;216;p34"/>
+          <p:cNvPr id="232" name="Google Shape;232;p36"/>
           <p:cNvSpPr txBox="1"/>
           <p:nvPr>
             <p:ph type="title"/>
@@ -11385,7 +11925,7 @@
       </p:sp>
       <p:sp>
         <p:nvSpPr>
-          <p:cNvPr id="217" name="Google Shape;217;p34"/>
+          <p:cNvPr id="233" name="Google Shape;233;p36"/>
           <p:cNvSpPr txBox="1"/>
           <p:nvPr/>
         </p:nvSpPr>
@@ -11496,7 +12036,7 @@
       </p:sp>
       <p:sp>
         <p:nvSpPr>
-          <p:cNvPr id="218" name="Google Shape;218;p34"/>
+          <p:cNvPr id="234" name="Google Shape;234;p36"/>
           <p:cNvSpPr txBox="1"/>
           <p:nvPr/>
         </p:nvSpPr>
@@ -11554,12 +12094,12 @@
 </p:sld>
 </file>
 
-<file path=ppt/slides/slide23.xml><?xml version="1.0" encoding="utf-8"?>
+<file path=ppt/slides/slide25.xml><?xml version="1.0" encoding="utf-8"?>
 <p:sld xmlns:a="http://schemas.openxmlformats.org/drawingml/2006/main" xmlns:r="http://schemas.openxmlformats.org/officeDocument/2006/relationships" xmlns:mc="http://schemas.openxmlformats.org/markup-compatibility/2006" xmlns:mv="urn:schemas-microsoft-com:mac:vml" xmlns:p="http://schemas.openxmlformats.org/presentationml/2006/main" xmlns:c="http://schemas.openxmlformats.org/drawingml/2006/chart" xmlns:dgm="http://schemas.openxmlformats.org/drawingml/2006/diagram" xmlns:o="urn:schemas-microsoft-com:office:office" xmlns:v="urn:schemas-microsoft-com:vml" xmlns:pvml="urn:schemas-microsoft-com:office:powerpoint" xmlns:com="http://schemas.openxmlformats.org/drawingml/2006/compatibility" xmlns:p14="http://schemas.microsoft.com/office/powerpoint/2010/main" xmlns:p15="http://schemas.microsoft.com/office/powerpoint/2012/main" xmlns:ahyp="http://schemas.microsoft.com/office/drawing/2018/hyperlinkcolor">
   <p:cSld>
     <p:spTree>
       <p:nvGrpSpPr>
-        <p:cNvPr id="222" name="Shape 222"/>
+        <p:cNvPr id="238" name="Shape 238"/>
         <p:cNvGrpSpPr/>
         <p:nvPr/>
       </p:nvGrpSpPr>
@@ -11573,7 +12113,7 @@
       </p:grpSpPr>
       <p:sp>
         <p:nvSpPr>
-          <p:cNvPr id="223" name="Google Shape;223;p35"/>
+          <p:cNvPr id="239" name="Google Shape;239;p37"/>
           <p:cNvSpPr txBox="1"/>
           <p:nvPr>
             <p:ph type="title"/>
@@ -11613,7 +12153,7 @@
       </p:sp>
       <p:pic>
         <p:nvPicPr>
-          <p:cNvPr id="224" name="Google Shape;224;p35"/>
+          <p:cNvPr id="240" name="Google Shape;240;p37"/>
           <p:cNvPicPr preferRelativeResize="0"/>
           <p:nvPr/>
         </p:nvPicPr>
@@ -11756,7 +12296,7 @@
             </a:pPr>
             <a:r>
               <a:rPr lang="en" sz="1400"/>
-              <a:t>Želili smo nešto straight-forward i jednostavno što će spojiti sve dijelove live performansa </a:t>
+              <a:t>Željeli smo nešto straight-forward i jednostavno što će spojiti sve dijelove live performansa </a:t>
             </a:r>
             <a:endParaRPr sz="1400"/>
           </a:p>
@@ -11866,7 +12406,7 @@
             </a:pPr>
             <a:r>
               <a:rPr lang="en"/>
-              <a:t>Functionalities</a:t>
+              <a:t>Funkcionalnosti</a:t>
             </a:r>
             <a:endParaRPr/>
           </a:p>
@@ -11887,7 +12427,7 @@
             <a:tbl>
               <a:tblPr>
                 <a:noFill/>
-                <a:tableStyleId>{1353963B-DF91-4ACA-A2D7-5E1FAB02D263}</a:tableStyleId>
+                <a:tableStyleId>{F8E29779-CBCD-4439-9CBA-A7056A80CC4B}</a:tableStyleId>
               </a:tblPr>
               <a:tblGrid>
                 <a:gridCol w="556425"/>
@@ -13700,7 +14240,7 @@
             </a:pPr>
             <a:r>
               <a:rPr lang="en"/>
-              <a:t>Scenario - Example</a:t>
+              <a:t>Scenario - Primjer</a:t>
             </a:r>
             <a:endParaRPr/>
           </a:p>
@@ -13825,7 +14365,7 @@
             </a:r>
             <a:r>
               <a:rPr lang="en"/>
-              <a:t> - Example</a:t>
+              <a:t> - Primjer</a:t>
             </a:r>
             <a:endParaRPr/>
           </a:p>
